--- a/Tryton 5.8 - Doc 00.01 - Installation & administration.pptx
+++ b/Tryton 5.8 - Doc 00.01 - Installation & administration.pptx
@@ -464,7 +464,7 @@
           <a:p>
             <a:fld id="{1888941B-6604-4841-9FBD-A94850160ED1}" type="datetimeFigureOut">
               <a:rPr lang="en-BE" smtClean="0"/>
-              <a:t>05/05/2021</a:t>
+              <a:t>06/05/2021</a:t>
             </a:fld>
             <a:endParaRPr lang="en-BE"/>
           </a:p>
@@ -641,7 +641,7 @@
           <a:p>
             <a:fld id="{F8FD9220-3D18-4077-BD0E-AFA621EE8E9B}" type="datetimeFigureOut">
               <a:rPr lang="en-BE" smtClean="0"/>
-              <a:t>05/05/2021</a:t>
+              <a:t>06/05/2021</a:t>
             </a:fld>
             <a:endParaRPr lang="en-BE"/>
           </a:p>
@@ -5266,7 +5266,7 @@
         </p:nvSpPr>
         <p:spPr>
           <a:xfrm>
-            <a:off x="1367712" y="1869234"/>
+            <a:off x="1367712" y="1754934"/>
             <a:ext cx="9456576" cy="2417607"/>
           </a:xfrm>
         </p:spPr>
@@ -5521,24 +5521,17 @@
                 </a:solidFill>
                 <a:effectLst/>
               </a:rPr>
-              <a:t>Version of presentation : 01.02 </a:t>
-            </a:r>
-            <a:r>
-              <a:rPr lang="en-US" sz="1800" dirty="0">
+              <a:t>Version of presentation : </a:t>
+            </a:r>
+            <a:r>
+              <a:rPr lang="en-US" sz="1800" i="0" dirty="0">
                 <a:solidFill>
                   <a:srgbClr val="333333"/>
                 </a:solidFill>
-              </a:rPr>
-              <a:t>Dated</a:t>
-            </a:r>
-            <a:r>
-              <a:rPr lang="en-US" sz="1800" i="0" dirty="0">
-                <a:solidFill>
-                  <a:srgbClr val="333333"/>
-                </a:solidFill>
                 <a:effectLst/>
-              </a:rPr>
-              <a:t> 5-May-21</a:t>
+                <a:hlinkClick r:id="rId3"/>
+              </a:rPr>
+              <a:t>5.0</a:t>
             </a:r>
             <a:br>
               <a:rPr lang="en-US" sz="1800" i="0" dirty="0">
@@ -5619,7 +5612,7 @@
                 <a:solidFill>
                   <a:srgbClr val="333333"/>
                 </a:solidFill>
-                <a:hlinkClick r:id="rId3"/>
+                <a:hlinkClick r:id="rId4"/>
               </a:rPr>
               <a:t>CC BY 4.0</a:t>
             </a:r>
@@ -13430,32 +13423,16 @@
             </a:r>
             <a:r>
               <a:rPr lang="en-GB" dirty="0"/>
-              <a:t>Special credit to @ced, @pokoli, @dave, @edbo on </a:t>
-            </a:r>
-            <a:r>
-              <a:rPr lang="en-GB"/>
-              <a:t>the </a:t>
-            </a:r>
-            <a:r>
-              <a:rPr lang="en-GB">
-                <a:hlinkClick r:id="rId2"/>
-              </a:rPr>
-              <a:t>https</a:t>
+              <a:t>Special credit to @ced, @pokoli, @dave, @edbo on the </a:t>
             </a:r>
             <a:r>
               <a:rPr lang="en-GB" dirty="0">
                 <a:hlinkClick r:id="rId2"/>
               </a:rPr>
-              <a:t>://discuss.tryton.org</a:t>
-            </a:r>
-            <a:r>
-              <a:rPr lang="en-GB">
-                <a:hlinkClick r:id="rId2"/>
-              </a:rPr>
-              <a:t>/</a:t>
-            </a:r>
-            <a:r>
-              <a:rPr lang="en-GB"/>
+              <a:t>https://discuss.tryton.org/</a:t>
+            </a:r>
+            <a:r>
+              <a:rPr lang="en-GB" dirty="0"/>
               <a:t> forum.</a:t>
             </a:r>
             <a:br>

--- a/Tryton 5.8 - Doc 00.01 - Installation & administration.pptx
+++ b/Tryton 5.8 - Doc 00.01 - Installation & administration.pptx
@@ -14846,6 +14846,10 @@
               <a:rPr lang="en-US" sz="1400" dirty="0"/>
             </a:br>
             <a:r>
+              <a:rPr lang="en-US" sz="1400" dirty="0"/>
+              <a:t># </a:t>
+            </a:r>
+            <a:r>
               <a:rPr lang="en-US" sz="1400" b="1" dirty="0"/>
               <a:t>docker</a:t>
             </a:r>
@@ -14861,9 +14865,12 @@
                   </a:schemeClr>
                 </a:solidFill>
               </a:rPr>
-              <a:t>tryt01-database</a:t>
-            </a:r>
-            <a:endParaRPr lang="en-US" sz="1400" dirty="0"/>
+              <a:t>tryt01-database </a:t>
+            </a:r>
+            <a:r>
+              <a:rPr lang="en-US" sz="1400" dirty="0"/>
+              <a:t>- for future use</a:t>
+            </a:r>
           </a:p>
           <a:p>
             <a:r>
@@ -15270,6 +15277,10 @@
               <a:rPr lang="en-US" sz="1400" dirty="0"/>
             </a:br>
             <a:r>
+              <a:rPr lang="en-US" sz="1400" dirty="0"/>
+              <a:t># </a:t>
+            </a:r>
+            <a:r>
               <a:rPr lang="en-US" sz="1400" b="1" dirty="0"/>
               <a:t>docker</a:t>
             </a:r>
@@ -15286,6 +15297,14 @@
                 </a:solidFill>
               </a:rPr>
               <a:t>tryt01-datafile</a:t>
+            </a:r>
+            <a:r>
+              <a:rPr lang="en-US" sz="1400" dirty="0"/>
+              <a:t> - for </a:t>
+            </a:r>
+            <a:r>
+              <a:rPr lang="en-US" sz="1400"/>
+              <a:t>future use</a:t>
             </a:r>
             <a:endParaRPr lang="en-US" sz="1400" dirty="0"/>
           </a:p>
@@ -15643,7 +15662,7 @@
             </a:r>
             <a:r>
               <a:rPr lang="fr-BE" dirty="0"/>
-              <a:t> « tryt02 » ensemble.   </a:t>
+              <a:t> « tryt02 » set of containers.   </a:t>
             </a:r>
             <a:endParaRPr lang="en-BE" dirty="0"/>
           </a:p>

--- a/Tryton 5.8 - Doc 00.01 - Installation & administration.pptx
+++ b/Tryton 5.8 - Doc 00.01 - Installation & administration.pptx
@@ -11735,7 +11735,15 @@
             </a:r>
             <a:r>
               <a:rPr lang="fr-BE" dirty="0"/>
-              <a:t>. There are explicative documents as </a:t>
+              <a:t>. There are </a:t>
+            </a:r>
+            <a:r>
+              <a:rPr lang="fr-BE"/>
+              <a:t>explanatory </a:t>
+            </a:r>
+            <a:r>
+              <a:rPr lang="fr-BE" dirty="0"/>
+              <a:t>documents as </a:t>
             </a:r>
             <a:r>
               <a:rPr lang="fr-BE" dirty="0" err="1"/>

--- a/Tryton 5.8 - Doc 00.01 - Installation & administration.pptx
+++ b/Tryton 5.8 - Doc 00.01 - Installation & administration.pptx
@@ -472,7 +472,7 @@
           <a:p>
             <a:fld id="{1888941B-6604-4841-9FBD-A94850160ED1}" type="datetimeFigureOut">
               <a:rPr lang="en-BE" smtClean="0"/>
-              <a:t>06/05/2021</a:t>
+              <a:t>07/05/2021</a:t>
             </a:fld>
             <a:endParaRPr lang="en-BE"/>
           </a:p>
@@ -649,7 +649,7 @@
           <a:p>
             <a:fld id="{F8FD9220-3D18-4077-BD0E-AFA621EE8E9B}" type="datetimeFigureOut">
               <a:rPr lang="en-BE" smtClean="0"/>
-              <a:t>06/05/2021</a:t>
+              <a:t>07/05/2021</a:t>
             </a:fld>
             <a:endParaRPr lang="en-BE"/>
           </a:p>
@@ -27694,14 +27694,14 @@
           <p:nvPr>
             <p:extLst>
               <p:ext uri="{D42A27DB-BD31-4B8C-83A1-F6EECF244321}">
-                <p14:modId xmlns:p14="http://schemas.microsoft.com/office/powerpoint/2010/main" val="3517554977"/>
+                <p14:modId xmlns:p14="http://schemas.microsoft.com/office/powerpoint/2010/main" val="1510603371"/>
               </p:ext>
             </p:extLst>
           </p:nvPr>
         </p:nvGraphicFramePr>
         <p:xfrm>
           <a:off x="838199" y="4424380"/>
-          <a:ext cx="10872238" cy="1483360"/>
+          <a:ext cx="10872238" cy="1854200"/>
         </p:xfrm>
         <a:graphic>
           <a:graphicData uri="http://schemas.openxmlformats.org/drawingml/2006/table">
@@ -27898,6 +27898,66 @@
                 <a:extLst>
                   <a:ext uri="{0D108BD9-81ED-4DB2-BD59-A6C34878D82A}">
                     <a16:rowId xmlns:a16="http://schemas.microsoft.com/office/drawing/2014/main" val="800315503"/>
+                  </a:ext>
+                </a:extLst>
+              </a:tr>
+              <a:tr h="370840">
+                <a:tc>
+                  <a:txBody>
+                    <a:bodyPr/>
+                    <a:lstStyle/>
+                    <a:p>
+                      <a:pPr marL="0" marR="0" lvl="0" indent="0" algn="l" defTabSz="914400" rtl="0" eaLnBrk="1" fontAlgn="auto" latinLnBrk="0" hangingPunct="1">
+                        <a:lnSpc>
+                          <a:spcPct val="100000"/>
+                        </a:lnSpc>
+                        <a:spcBef>
+                          <a:spcPts val="0"/>
+                        </a:spcBef>
+                        <a:spcAft>
+                          <a:spcPts val="0"/>
+                        </a:spcAft>
+                        <a:buClrTx/>
+                        <a:buSzTx/>
+                        <a:buFontTx/>
+                        <a:buNone/>
+                        <a:tabLst/>
+                        <a:defRPr/>
+                      </a:pPr>
+                      <a:r>
+                        <a:rPr lang="en-US" sz="1400" dirty="0" err="1"/>
+                        <a:t>Tryton</a:t>
+                      </a:r>
+                      <a:r>
+                        <a:rPr lang="en-US" sz="1400" dirty="0"/>
+                        <a:t> 5.8 - Doc 00.01 - Installation &amp; administration.database.tryt01.query</a:t>
+                      </a:r>
+                      <a:endParaRPr lang="en-BE" sz="1400" dirty="0"/>
+                    </a:p>
+                  </a:txBody>
+                  <a:tcPr/>
+                </a:tc>
+                <a:tc>
+                  <a:txBody>
+                    <a:bodyPr/>
+                    <a:lstStyle/>
+                    <a:p>
+                      <a:r>
+                        <a:rPr lang="fr-BE" sz="1400" dirty="0" err="1"/>
+                        <a:t>Query</a:t>
+                      </a:r>
+                      <a:r>
+                        <a:rPr lang="fr-BE" sz="1400" dirty="0"/>
+                        <a:t> tables</a:t>
+                      </a:r>
+                      <a:endParaRPr lang="en-BE" sz="1400" dirty="0"/>
+                    </a:p>
+                  </a:txBody>
+                  <a:tcPr/>
+                </a:tc>
+                <a:extLst>
+                  <a:ext uri="{0D108BD9-81ED-4DB2-BD59-A6C34878D82A}">
+                    <a16:rowId xmlns:a16="http://schemas.microsoft.com/office/drawing/2014/main" val="2642706298"/>
                   </a:ext>
                 </a:extLst>
               </a:tr>
@@ -33364,12 +33424,8 @@
           <a:lstStyle/>
           <a:p>
             <a:r>
-              <a:rPr lang="fr-BE" dirty="0"/>
-              <a:t>List tables of </a:t>
-            </a:r>
-            <a:r>
-              <a:rPr lang="fr-BE" dirty="0" err="1"/>
-              <a:t>database</a:t>
+              <a:rPr lang="fr-BE" dirty="0" err="1"/>
+              <a:t>Database</a:t>
             </a:r>
             <a:r>
               <a:rPr lang="fr-BE" dirty="0"/>
@@ -33381,7 +33437,19 @@
             </a:r>
             <a:r>
               <a:rPr lang="fr-BE" dirty="0"/>
-              <a:t> »</a:t>
+              <a:t> » </a:t>
+            </a:r>
+            <a:r>
+              <a:rPr lang="fr-BE" dirty="0" err="1"/>
+              <a:t>query</a:t>
+            </a:r>
+            <a:r>
+              <a:rPr lang="fr-BE" dirty="0"/>
+              <a:t> </a:t>
+            </a:r>
+            <a:r>
+              <a:rPr lang="fr-BE" dirty="0" err="1"/>
+              <a:t>samples</a:t>
             </a:r>
             <a:endParaRPr lang="en-BE" dirty="0"/>
           </a:p>
@@ -33435,8 +33503,8 @@
         </p:nvSpPr>
         <p:spPr>
           <a:xfrm>
-            <a:off x="838199" y="874661"/>
-            <a:ext cx="11022623" cy="2062103"/>
+            <a:off x="838198" y="1682988"/>
+            <a:ext cx="11022623" cy="1815882"/>
           </a:xfrm>
           <a:prstGeom prst="rect">
             <a:avLst/>
@@ -33450,7 +33518,7 @@
           <a:lstStyle/>
           <a:p>
             <a:r>
-              <a:rPr lang="fr-BE" sz="1600" b="1" dirty="0" err="1">
+              <a:rPr lang="fr-BE" sz="1400" b="1" dirty="0" err="1">
                 <a:solidFill>
                   <a:schemeClr val="accent5">
                     <a:lumMod val="75000"/>
@@ -33460,7 +33528,7 @@
               <a:t>Exec</a:t>
             </a:r>
             <a:r>
-              <a:rPr lang="fr-BE" sz="1600" b="1" dirty="0">
+              <a:rPr lang="fr-BE" sz="1400" b="1" dirty="0">
                 <a:solidFill>
                   <a:schemeClr val="accent5">
                     <a:lumMod val="75000"/>
@@ -33470,7 +33538,7 @@
               <a:t> in </a:t>
             </a:r>
             <a:r>
-              <a:rPr lang="fr-BE" sz="1600" b="1" dirty="0" err="1">
+              <a:rPr lang="fr-BE" sz="1400" b="1" dirty="0" err="1">
                 <a:solidFill>
                   <a:schemeClr val="accent5">
                     <a:lumMod val="75000"/>
@@ -33480,168 +33548,168 @@
               <a:t>Powershell</a:t>
             </a:r>
             <a:r>
-              <a:rPr lang="fr-BE" sz="1600" b="1" dirty="0">
+              <a:rPr lang="fr-BE" sz="1400" b="1" dirty="0">
                 <a:solidFill>
                   <a:schemeClr val="accent5">
                     <a:lumMod val="75000"/>
                   </a:schemeClr>
                 </a:solidFill>
               </a:rPr>
-              <a:t> format (exec.ps1)</a:t>
+              <a:t> format</a:t>
             </a:r>
             <a:br>
-              <a:rPr lang="fr-BE" sz="1600" dirty="0"/>
+              <a:rPr lang="fr-BE" sz="1400" dirty="0"/>
             </a:br>
             <a:br>
-              <a:rPr lang="fr-BE" sz="1600" dirty="0"/>
+              <a:rPr lang="fr-BE" sz="1400" dirty="0"/>
             </a:br>
             <a:r>
-              <a:rPr lang="en-BE" sz="1600" dirty="0"/>
+              <a:rPr lang="en-BE" sz="1400" dirty="0"/>
               <a:t>Write-Host "Database </a:t>
             </a:r>
             <a:r>
-              <a:rPr lang="en-BE" sz="1600" dirty="0" err="1"/>
+              <a:rPr lang="en-BE" sz="1400" dirty="0" err="1"/>
               <a:t>Tryton</a:t>
             </a:r>
             <a:r>
-              <a:rPr lang="en-BE" sz="1600" dirty="0"/>
+              <a:rPr lang="en-BE" sz="1400" dirty="0"/>
               <a:t> - Schema 'Public' - All Tables - Number of Rows"</a:t>
             </a:r>
           </a:p>
           <a:p>
             <a:r>
-              <a:rPr lang="en-BE" sz="1600" dirty="0"/>
+              <a:rPr lang="en-BE" sz="1400" dirty="0"/>
               <a:t>Write-Host "</a:t>
             </a:r>
             <a:r>
-              <a:rPr lang="en-BE" sz="1600" dirty="0" err="1"/>
+              <a:rPr lang="en-BE" sz="1400" dirty="0" err="1"/>
               <a:t>init</a:t>
             </a:r>
             <a:r>
-              <a:rPr lang="en-BE" sz="1600" dirty="0"/>
+              <a:rPr lang="en-BE" sz="1400" dirty="0"/>
               <a:t>"</a:t>
             </a:r>
           </a:p>
           <a:p>
             <a:r>
-              <a:rPr lang="en-BE" sz="1600" dirty="0"/>
+              <a:rPr lang="en-BE" sz="1400" dirty="0"/>
               <a:t>docker cp </a:t>
             </a:r>
             <a:r>
-              <a:rPr lang="en-BE" sz="1600" dirty="0" err="1"/>
+              <a:rPr lang="en-BE" sz="1400" dirty="0" err="1"/>
               <a:t>inpu.sql</a:t>
             </a:r>
             <a:r>
-              <a:rPr lang="en-BE" sz="1600" dirty="0"/>
+              <a:rPr lang="en-BE" sz="1400" dirty="0"/>
               <a:t> </a:t>
             </a:r>
             <a:r>
-              <a:rPr lang="en-BE" sz="1600" b="1" dirty="0" err="1"/>
+              <a:rPr lang="en-BE" sz="1400" b="1" dirty="0" err="1"/>
               <a:t>tryton-postgres</a:t>
             </a:r>
             <a:r>
-              <a:rPr lang="en-BE" sz="1600" dirty="0"/>
+              <a:rPr lang="en-BE" sz="1400" dirty="0"/>
               <a:t>:/</a:t>
             </a:r>
             <a:r>
-              <a:rPr lang="en-BE" sz="1600" dirty="0" err="1"/>
+              <a:rPr lang="en-BE" sz="1400" dirty="0" err="1"/>
               <a:t>inpu.sql</a:t>
             </a:r>
-            <a:endParaRPr lang="en-BE" sz="1600" dirty="0"/>
-          </a:p>
-          <a:p>
-            <a:r>
-              <a:rPr lang="en-BE" sz="1600" dirty="0"/>
+            <a:endParaRPr lang="en-BE" sz="1400" dirty="0"/>
+          </a:p>
+          <a:p>
+            <a:r>
+              <a:rPr lang="en-BE" sz="1400" dirty="0"/>
               <a:t>docker exec -it </a:t>
             </a:r>
             <a:r>
-              <a:rPr lang="en-BE" sz="1600" b="1" dirty="0" err="1"/>
+              <a:rPr lang="en-BE" sz="1400" b="1" dirty="0" err="1"/>
               <a:t>tryton-postgres</a:t>
             </a:r>
             <a:r>
-              <a:rPr lang="en-BE" sz="1600" dirty="0"/>
+              <a:rPr lang="en-BE" sz="1400" dirty="0"/>
               <a:t> </a:t>
             </a:r>
             <a:r>
-              <a:rPr lang="en-BE" sz="1600" dirty="0" err="1"/>
+              <a:rPr lang="en-BE" sz="1400" dirty="0" err="1"/>
               <a:t>psql</a:t>
             </a:r>
             <a:r>
-              <a:rPr lang="en-BE" sz="1600" dirty="0"/>
+              <a:rPr lang="en-BE" sz="1400" dirty="0"/>
               <a:t> -d </a:t>
             </a:r>
             <a:r>
-              <a:rPr lang="en-BE" sz="1600" b="1" dirty="0" err="1"/>
+              <a:rPr lang="en-BE" sz="1400" b="1" dirty="0" err="1"/>
               <a:t>tryton</a:t>
             </a:r>
             <a:r>
-              <a:rPr lang="en-BE" sz="1600" dirty="0"/>
+              <a:rPr lang="en-BE" sz="1400" dirty="0"/>
               <a:t> -U </a:t>
             </a:r>
             <a:r>
-              <a:rPr lang="en-BE" sz="1600" dirty="0" err="1"/>
+              <a:rPr lang="en-BE" sz="1400" dirty="0" err="1"/>
               <a:t>postgres</a:t>
             </a:r>
             <a:r>
-              <a:rPr lang="en-BE" sz="1600" dirty="0"/>
+              <a:rPr lang="en-BE" sz="1400" dirty="0"/>
               <a:t> -P pager=off -f </a:t>
             </a:r>
             <a:r>
-              <a:rPr lang="en-BE" sz="1600" dirty="0" err="1"/>
+              <a:rPr lang="en-BE" sz="1400" dirty="0" err="1"/>
               <a:t>inpu.sql</a:t>
             </a:r>
             <a:r>
-              <a:rPr lang="en-BE" sz="1600" dirty="0"/>
+              <a:rPr lang="en-BE" sz="1400" dirty="0"/>
               <a:t> </a:t>
             </a:r>
             <a:r>
-              <a:rPr lang="fr-BE" sz="1600" dirty="0"/>
+              <a:rPr lang="fr-BE" sz="1400" dirty="0"/>
               <a:t>-o</a:t>
             </a:r>
             <a:r>
-              <a:rPr lang="en-BE" sz="1600" dirty="0"/>
+              <a:rPr lang="en-BE" sz="1400" dirty="0"/>
               <a:t> outp.txt</a:t>
             </a:r>
             <a:br>
-              <a:rPr lang="fr-BE" sz="1600" dirty="0"/>
+              <a:rPr lang="fr-BE" sz="1400" dirty="0"/>
             </a:br>
             <a:r>
-              <a:rPr lang="en-BE" sz="1600" dirty="0"/>
+              <a:rPr lang="en-BE" sz="1400" dirty="0"/>
               <a:t>docker cp </a:t>
             </a:r>
             <a:r>
-              <a:rPr lang="en-BE" sz="1600" b="1" dirty="0" err="1"/>
+              <a:rPr lang="en-BE" sz="1400" b="1" dirty="0" err="1"/>
               <a:t>tryton-postgres</a:t>
             </a:r>
             <a:r>
-              <a:rPr lang="en-BE" sz="1600" dirty="0"/>
+              <a:rPr lang="en-BE" sz="1400" dirty="0"/>
               <a:t>:/</a:t>
             </a:r>
             <a:r>
-              <a:rPr lang="fr-BE" sz="1600" dirty="0" err="1"/>
+              <a:rPr lang="fr-BE" sz="1400" dirty="0" err="1"/>
               <a:t>outp</a:t>
             </a:r>
             <a:r>
-              <a:rPr lang="en-BE" sz="1600" dirty="0"/>
+              <a:rPr lang="en-BE" sz="1400" dirty="0"/>
               <a:t>.</a:t>
             </a:r>
             <a:r>
-              <a:rPr lang="fr-BE" sz="1600" dirty="0"/>
+              <a:rPr lang="fr-BE" sz="1400" dirty="0"/>
               <a:t>txt outp.txt</a:t>
             </a:r>
-            <a:endParaRPr lang="en-BE" sz="1600" dirty="0"/>
-          </a:p>
-          <a:p>
-            <a:r>
-              <a:rPr lang="en-BE" sz="1600" dirty="0"/>
+            <a:endParaRPr lang="en-BE" sz="1400" dirty="0"/>
+          </a:p>
+          <a:p>
+            <a:r>
+              <a:rPr lang="en-BE" sz="1400" dirty="0"/>
               <a:t>Write-Host "</a:t>
             </a:r>
             <a:r>
-              <a:rPr lang="en-BE" sz="1600" dirty="0" err="1"/>
+              <a:rPr lang="en-BE" sz="1400" dirty="0" err="1"/>
               <a:t>fini</a:t>
             </a:r>
             <a:r>
-              <a:rPr lang="en-BE" sz="1600" dirty="0"/>
+              <a:rPr lang="en-BE" sz="1400" dirty="0"/>
               <a:t>"</a:t>
             </a:r>
           </a:p>
@@ -33661,8 +33729,8 @@
         </p:nvSpPr>
         <p:spPr>
           <a:xfrm>
-            <a:off x="838198" y="3115995"/>
-            <a:ext cx="11022623" cy="3539430"/>
+            <a:off x="838199" y="3675997"/>
+            <a:ext cx="11022623" cy="3108543"/>
           </a:xfrm>
           <a:prstGeom prst="rect">
             <a:avLst/>
@@ -33676,219 +33744,199 @@
           <a:lstStyle/>
           <a:p>
             <a:r>
-              <a:rPr lang="en-GB" sz="1600" b="1" dirty="0">
+              <a:rPr lang="en-GB" sz="1400" b="1" dirty="0">
                 <a:solidFill>
                   <a:schemeClr val="accent5">
                     <a:lumMod val="75000"/>
                   </a:schemeClr>
                 </a:solidFill>
               </a:rPr>
-              <a:t>SQL statements (</a:t>
-            </a:r>
-            <a:r>
-              <a:rPr lang="en-GB" sz="1600" b="1" dirty="0" err="1">
-                <a:solidFill>
-                  <a:schemeClr val="accent5">
-                    <a:lumMod val="75000"/>
-                  </a:schemeClr>
-                </a:solidFill>
-              </a:rPr>
-              <a:t>inpu.sql</a:t>
-            </a:r>
-            <a:r>
-              <a:rPr lang="en-GB" sz="1600" b="1" dirty="0">
-                <a:solidFill>
-                  <a:schemeClr val="accent5">
-                    <a:lumMod val="75000"/>
-                  </a:schemeClr>
-                </a:solidFill>
-              </a:rPr>
+              <a:t>SQL statements</a:t>
+            </a:r>
+            <a:br>
+              <a:rPr lang="en-GB" sz="1400" dirty="0"/>
+            </a:br>
+            <a:endParaRPr lang="en-GB" sz="1400" dirty="0"/>
+          </a:p>
+          <a:p>
+            <a:r>
+              <a:rPr lang="en-GB" sz="1400" dirty="0"/>
+              <a:t>-- Data base schema 'public' - All tables - Number of rows</a:t>
+            </a:r>
+          </a:p>
+          <a:p>
+            <a:r>
+              <a:rPr lang="en-GB" sz="1400" dirty="0"/>
+              <a:t>with </a:t>
+            </a:r>
+            <a:r>
+              <a:rPr lang="en-GB" sz="1400" dirty="0" err="1"/>
+              <a:t>tbl</a:t>
+            </a:r>
+            <a:r>
+              <a:rPr lang="en-GB" sz="1400" dirty="0"/>
+              <a:t> as (</a:t>
+            </a:r>
+          </a:p>
+          <a:p>
+            <a:r>
+              <a:rPr lang="en-GB" sz="1400" dirty="0"/>
+              <a:t>	SELECT </a:t>
+            </a:r>
+            <a:r>
+              <a:rPr lang="en-GB" sz="1400" dirty="0" err="1"/>
+              <a:t>table_schema</a:t>
+            </a:r>
+            <a:r>
+              <a:rPr lang="en-GB" sz="1400" dirty="0"/>
+              <a:t>, </a:t>
+            </a:r>
+            <a:r>
+              <a:rPr lang="en-GB" sz="1400" dirty="0" err="1"/>
+              <a:t>table_name</a:t>
+            </a:r>
+            <a:r>
+              <a:rPr lang="en-GB" sz="1400" dirty="0"/>
+              <a:t> </a:t>
+            </a:r>
+          </a:p>
+          <a:p>
+            <a:r>
+              <a:rPr lang="en-GB" sz="1400" dirty="0"/>
+              <a:t>	FROM </a:t>
+            </a:r>
+            <a:r>
+              <a:rPr lang="en-GB" sz="1400" dirty="0" err="1"/>
+              <a:t>information_schema.tables</a:t>
+            </a:r>
+            <a:endParaRPr lang="en-GB" sz="1400" dirty="0"/>
+          </a:p>
+          <a:p>
+            <a:r>
+              <a:rPr lang="en-GB" sz="1400" dirty="0"/>
+              <a:t>	where </a:t>
+            </a:r>
+            <a:r>
+              <a:rPr lang="en-GB" sz="1400" dirty="0" err="1"/>
+              <a:t>table_name</a:t>
+            </a:r>
+            <a:r>
+              <a:rPr lang="en-GB" sz="1400" dirty="0"/>
+              <a:t> not like '</a:t>
+            </a:r>
+            <a:r>
+              <a:rPr lang="en-GB" sz="1400" dirty="0" err="1"/>
+              <a:t>pg</a:t>
+            </a:r>
+            <a:r>
+              <a:rPr lang="en-GB" sz="1400" dirty="0"/>
+              <a:t>_%' and </a:t>
+            </a:r>
+            <a:r>
+              <a:rPr lang="en-GB" sz="1400" dirty="0" err="1"/>
+              <a:t>table_schema</a:t>
+            </a:r>
+            <a:r>
+              <a:rPr lang="en-GB" sz="1400" dirty="0"/>
+              <a:t> in ('public')</a:t>
+            </a:r>
+          </a:p>
+          <a:p>
+            <a:r>
+              <a:rPr lang="en-GB" sz="1400" dirty="0"/>
               <a:t>)</a:t>
             </a:r>
-            <a:br>
-              <a:rPr lang="en-GB" sz="1600" dirty="0"/>
-            </a:br>
-            <a:endParaRPr lang="en-GB" sz="1600" dirty="0"/>
-          </a:p>
-          <a:p>
-            <a:r>
-              <a:rPr lang="en-GB" sz="1600" dirty="0"/>
-              <a:t>-- Data base schema 'public' - All tables - Number of rows</a:t>
-            </a:r>
-          </a:p>
-          <a:p>
-            <a:r>
-              <a:rPr lang="en-GB" sz="1600" dirty="0"/>
-              <a:t>with </a:t>
-            </a:r>
-            <a:r>
-              <a:rPr lang="en-GB" sz="1600" dirty="0" err="1"/>
+          </a:p>
+          <a:p>
+            <a:r>
+              <a:rPr lang="en-GB" sz="1400" dirty="0"/>
+              <a:t>SELECT </a:t>
+            </a:r>
+            <a:r>
+              <a:rPr lang="en-GB" sz="1400" dirty="0" err="1"/>
+              <a:t>table_schema</a:t>
+            </a:r>
+            <a:r>
+              <a:rPr lang="en-GB" sz="1400" dirty="0"/>
+              <a:t>, </a:t>
+            </a:r>
+            <a:r>
+              <a:rPr lang="en-GB" sz="1400" dirty="0" err="1"/>
+              <a:t>table_name</a:t>
+            </a:r>
+            <a:r>
+              <a:rPr lang="en-GB" sz="1400" dirty="0"/>
+              <a:t>,</a:t>
+            </a:r>
+          </a:p>
+          <a:p>
+            <a:r>
+              <a:rPr lang="en-GB" sz="1400" dirty="0"/>
+              <a:t>(</a:t>
+            </a:r>
+          </a:p>
+          <a:p>
+            <a:r>
+              <a:rPr lang="en-GB" sz="1400" dirty="0" err="1"/>
+              <a:t>xpath</a:t>
+            </a:r>
+            <a:r>
+              <a:rPr lang="en-GB" sz="1400" dirty="0"/>
+              <a:t>( '/row/c/text()’, </a:t>
+            </a:r>
+            <a:r>
+              <a:rPr lang="en-GB" sz="1400" dirty="0" err="1"/>
+              <a:t>query_to_xml</a:t>
+            </a:r>
+            <a:r>
+              <a:rPr lang="en-GB" sz="1400" dirty="0"/>
+              <a:t>( format('select count(*) as c from %I.%I', </a:t>
+            </a:r>
+            <a:r>
+              <a:rPr lang="en-GB" sz="1400" dirty="0" err="1"/>
+              <a:t>table_schema</a:t>
+            </a:r>
+            <a:r>
+              <a:rPr lang="en-GB" sz="1400" dirty="0"/>
+              <a:t>, </a:t>
+            </a:r>
+            <a:r>
+              <a:rPr lang="en-GB" sz="1400" dirty="0" err="1"/>
+              <a:t>table_name</a:t>
+            </a:r>
+            <a:r>
+              <a:rPr lang="en-GB" sz="1400" dirty="0"/>
+              <a:t>), false, true, ‘’ ))</a:t>
+            </a:r>
+          </a:p>
+          <a:p>
+            <a:r>
+              <a:rPr lang="en-GB" sz="1400" dirty="0"/>
+              <a:t>)[1]::text::int as </a:t>
+            </a:r>
+            <a:r>
+              <a:rPr lang="en-GB" sz="1400" dirty="0" err="1"/>
+              <a:t>rows_nmbr</a:t>
+            </a:r>
+            <a:endParaRPr lang="en-GB" sz="1400" dirty="0"/>
+          </a:p>
+          <a:p>
+            <a:r>
+              <a:rPr lang="en-GB" sz="1400" dirty="0"/>
+              <a:t>from </a:t>
+            </a:r>
+            <a:r>
+              <a:rPr lang="en-GB" sz="1400" dirty="0" err="1"/>
               <a:t>tbl</a:t>
             </a:r>
-            <a:r>
-              <a:rPr lang="en-GB" sz="1600" dirty="0"/>
-              <a:t> as (</a:t>
-            </a:r>
-          </a:p>
-          <a:p>
-            <a:r>
-              <a:rPr lang="en-GB" sz="1600" dirty="0"/>
-              <a:t>	SELECT </a:t>
-            </a:r>
-            <a:r>
-              <a:rPr lang="en-GB" sz="1600" dirty="0" err="1"/>
-              <a:t>table_schema</a:t>
-            </a:r>
-            <a:r>
-              <a:rPr lang="en-GB" sz="1600" dirty="0"/>
-              <a:t>, </a:t>
-            </a:r>
-            <a:r>
-              <a:rPr lang="en-GB" sz="1600" dirty="0" err="1"/>
-              <a:t>table_name</a:t>
-            </a:r>
-            <a:r>
-              <a:rPr lang="en-GB" sz="1600" dirty="0"/>
-              <a:t> </a:t>
-            </a:r>
-          </a:p>
-          <a:p>
-            <a:r>
-              <a:rPr lang="en-GB" sz="1600" dirty="0"/>
-              <a:t>	FROM </a:t>
-            </a:r>
-            <a:r>
-              <a:rPr lang="en-GB" sz="1600" dirty="0" err="1"/>
-              <a:t>information_schema.tables</a:t>
-            </a:r>
-            <a:endParaRPr lang="en-GB" sz="1600" dirty="0"/>
-          </a:p>
-          <a:p>
-            <a:r>
-              <a:rPr lang="en-GB" sz="1600" dirty="0"/>
-              <a:t>	where </a:t>
-            </a:r>
-            <a:r>
-              <a:rPr lang="en-GB" sz="1600" dirty="0" err="1"/>
-              <a:t>table_name</a:t>
-            </a:r>
-            <a:r>
-              <a:rPr lang="en-GB" sz="1600" dirty="0"/>
-              <a:t> not like '</a:t>
-            </a:r>
-            <a:r>
-              <a:rPr lang="en-GB" sz="1600" dirty="0" err="1"/>
-              <a:t>pg</a:t>
-            </a:r>
-            <a:r>
-              <a:rPr lang="en-GB" sz="1600" dirty="0"/>
-              <a:t>_%' and </a:t>
-            </a:r>
-            <a:r>
-              <a:rPr lang="en-GB" sz="1600" dirty="0" err="1"/>
-              <a:t>table_schema</a:t>
-            </a:r>
-            <a:r>
-              <a:rPr lang="en-GB" sz="1600" dirty="0"/>
-              <a:t> in ('public')</a:t>
-            </a:r>
-          </a:p>
-          <a:p>
-            <a:r>
-              <a:rPr lang="en-GB" sz="1600" dirty="0"/>
-              <a:t>)</a:t>
-            </a:r>
-          </a:p>
-          <a:p>
-            <a:r>
-              <a:rPr lang="en-GB" sz="1600" dirty="0"/>
-              <a:t>SELECT </a:t>
-            </a:r>
-            <a:r>
-              <a:rPr lang="en-GB" sz="1600" dirty="0" err="1"/>
-              <a:t>table_schema</a:t>
-            </a:r>
-            <a:r>
-              <a:rPr lang="en-GB" sz="1600" dirty="0"/>
-              <a:t>, </a:t>
-            </a:r>
-            <a:r>
-              <a:rPr lang="en-GB" sz="1600" dirty="0" err="1"/>
-              <a:t>table_name</a:t>
-            </a:r>
-            <a:r>
-              <a:rPr lang="en-GB" sz="1600" dirty="0"/>
-              <a:t>,</a:t>
-            </a:r>
-          </a:p>
-          <a:p>
-            <a:r>
-              <a:rPr lang="en-GB" sz="1600" dirty="0"/>
-              <a:t>(</a:t>
-            </a:r>
-          </a:p>
-          <a:p>
-            <a:r>
-              <a:rPr lang="en-GB" sz="1600" dirty="0" err="1"/>
-              <a:t>xpath</a:t>
-            </a:r>
-            <a:r>
-              <a:rPr lang="en-GB" sz="1600" dirty="0"/>
-              <a:t>( '/row/c/text()’, </a:t>
-            </a:r>
-            <a:r>
-              <a:rPr lang="en-GB" sz="1600" dirty="0" err="1"/>
-              <a:t>query_to_xml</a:t>
-            </a:r>
-            <a:r>
-              <a:rPr lang="en-GB" sz="1600" dirty="0"/>
-              <a:t>( format('select count(*) as c from %I.%I', </a:t>
-            </a:r>
-            <a:r>
-              <a:rPr lang="en-GB" sz="1600" dirty="0" err="1"/>
-              <a:t>table_schema</a:t>
-            </a:r>
-            <a:r>
-              <a:rPr lang="en-GB" sz="1600" dirty="0"/>
-              <a:t>, </a:t>
-            </a:r>
-            <a:r>
-              <a:rPr lang="en-GB" sz="1600" dirty="0" err="1"/>
-              <a:t>table_name</a:t>
-            </a:r>
-            <a:r>
-              <a:rPr lang="en-GB" sz="1600" dirty="0"/>
-              <a:t>), false, true, ‘’ ))</a:t>
-            </a:r>
-          </a:p>
-          <a:p>
-            <a:r>
-              <a:rPr lang="en-GB" sz="1600" dirty="0"/>
-              <a:t>)[1]::text::int as </a:t>
-            </a:r>
-            <a:r>
-              <a:rPr lang="en-GB" sz="1600" dirty="0" err="1"/>
-              <a:t>rows_nmbr</a:t>
-            </a:r>
-            <a:endParaRPr lang="en-GB" sz="1600" dirty="0"/>
-          </a:p>
-          <a:p>
-            <a:r>
-              <a:rPr lang="en-GB" sz="1600" dirty="0"/>
-              <a:t>from </a:t>
-            </a:r>
-            <a:r>
-              <a:rPr lang="en-GB" sz="1600" dirty="0" err="1"/>
-              <a:t>tbl</a:t>
-            </a:r>
-            <a:endParaRPr lang="en-GB" sz="1600" dirty="0"/>
-          </a:p>
-          <a:p>
-            <a:r>
-              <a:rPr lang="en-GB" sz="1600" dirty="0"/>
+            <a:endParaRPr lang="en-GB" sz="1400" dirty="0"/>
+          </a:p>
+          <a:p>
+            <a:r>
+              <a:rPr lang="en-GB" sz="1400" dirty="0"/>
               <a:t>ORDER BY 3 DESC, 2; /* ORDER BY 3 DESC; */ /* ORDER BY 2; */</a:t>
             </a:r>
-            <a:endParaRPr lang="en-BE" sz="1600" dirty="0"/>
+            <a:endParaRPr lang="en-BE" sz="1400" dirty="0"/>
           </a:p>
         </p:txBody>
       </p:sp>
@@ -33941,6 +33989,75 @@
           <a:p>
             <a:pPr algn="ctr"/>
             <a:endParaRPr lang="en-BE"/>
+          </a:p>
+        </p:txBody>
+      </p:sp>
+      <p:sp>
+        <p:nvSpPr>
+          <p:cNvPr id="8" name="TextBox 7">
+            <a:extLst>
+              <a:ext uri="{FF2B5EF4-FFF2-40B4-BE49-F238E27FC236}">
+                <a16:creationId xmlns:a16="http://schemas.microsoft.com/office/drawing/2014/main" id="{180CEB8C-8B1B-4B30-99BD-7C7D62289E28}"/>
+              </a:ext>
+            </a:extLst>
+          </p:cNvPr>
+          <p:cNvSpPr txBox="1"/>
+          <p:nvPr/>
+        </p:nvSpPr>
+        <p:spPr>
+          <a:xfrm>
+            <a:off x="838198" y="1136530"/>
+            <a:ext cx="10046679" cy="369332"/>
+          </a:xfrm>
+          <a:prstGeom prst="rect">
+            <a:avLst/>
+          </a:prstGeom>
+          <a:noFill/>
+        </p:spPr>
+        <p:txBody>
+          <a:bodyPr wrap="square">
+            <a:spAutoFit/>
+          </a:bodyPr>
+          <a:lstStyle/>
+          <a:p>
+            <a:pPr marL="0" marR="0" lvl="0" indent="0" algn="l" defTabSz="914400" rtl="0" eaLnBrk="1" fontAlgn="auto" latinLnBrk="0" hangingPunct="1">
+              <a:lnSpc>
+                <a:spcPct val="100000"/>
+              </a:lnSpc>
+              <a:spcBef>
+                <a:spcPts val="0"/>
+              </a:spcBef>
+              <a:spcAft>
+                <a:spcPts val="0"/>
+              </a:spcAft>
+              <a:buClrTx/>
+              <a:buSzTx/>
+              <a:buFontTx/>
+              <a:buNone/>
+              <a:tabLst/>
+              <a:defRPr/>
+            </a:pPr>
+            <a:r>
+              <a:rPr lang="en-US" sz="1800" dirty="0"/>
+              <a:t>Utility : </a:t>
+            </a:r>
+            <a:r>
+              <a:rPr lang="fr-BE" dirty="0"/>
+              <a:t>« </a:t>
+            </a:r>
+            <a:r>
+              <a:rPr lang="en-US" sz="1800" dirty="0" err="1"/>
+              <a:t>Tryton</a:t>
+            </a:r>
+            <a:r>
+              <a:rPr lang="en-US" sz="1800" dirty="0"/>
+              <a:t> 5.8 - Doc 00.01 - Installation &amp; administration.database.tryt01.query.ps1</a:t>
+            </a:r>
+            <a:r>
+              <a:rPr lang="fr-BE" dirty="0"/>
+              <a:t> »</a:t>
+            </a:r>
+            <a:endParaRPr lang="en-BE" sz="1800" dirty="0"/>
           </a:p>
         </p:txBody>
       </p:sp>
